--- a/Presentation deck/Slides Presantation Btv.pptx
+++ b/Presentation deck/Slides Presantation Btv.pptx
@@ -24,36 +24,36 @@
   <p:notesSz cx="6858000" cy="9144000"/>
   <p:embeddedFontLst>
     <p:embeddedFont>
-      <p:font typeface="Roboto" panose="020B0604020202020204" charset="0"/>
+      <p:font typeface="Fira Sans Extra Condensed" panose="020B0604020202020204" charset="0"/>
       <p:regular r:id="rId14"/>
       <p:bold r:id="rId15"/>
       <p:italic r:id="rId16"/>
       <p:boldItalic r:id="rId17"/>
     </p:embeddedFont>
     <p:embeddedFont>
-      <p:font typeface="Fira Sans Extra Condensed" panose="020B0604020202020204" charset="0"/>
+      <p:font typeface="Fira Sans Extra Condensed Medium" panose="020B0604020202020204" charset="0"/>
       <p:regular r:id="rId18"/>
       <p:bold r:id="rId19"/>
       <p:italic r:id="rId20"/>
       <p:boldItalic r:id="rId21"/>
     </p:embeddedFont>
     <p:embeddedFont>
-      <p:font typeface="Fira Sans Extra Condensed Medium" panose="020B0604020202020204" charset="0"/>
+      <p:font typeface="Roboto" panose="020B0604020202020204" charset="0"/>
       <p:regular r:id="rId22"/>
       <p:bold r:id="rId23"/>
       <p:italic r:id="rId24"/>
       <p:boldItalic r:id="rId25"/>
     </p:embeddedFont>
     <p:embeddedFont>
-      <p:font typeface="Fahkwang" panose="020B0604020202020204" charset="-34"/>
+      <p:font typeface="Bauhaus 93" panose="04030905020B02020C02" pitchFamily="82" charset="0"/>
       <p:regular r:id="rId26"/>
-      <p:bold r:id="rId27"/>
-      <p:italic r:id="rId28"/>
-      <p:boldItalic r:id="rId29"/>
     </p:embeddedFont>
     <p:embeddedFont>
-      <p:font typeface="Bauhaus 93" panose="04030905020B02020C02" pitchFamily="82" charset="0"/>
-      <p:regular r:id="rId30"/>
+      <p:font typeface="Fahkwang" panose="020B0604020202020204" charset="-34"/>
+      <p:regular r:id="rId27"/>
+      <p:bold r:id="rId28"/>
+      <p:italic r:id="rId29"/>
+      <p:boldItalic r:id="rId30"/>
     </p:embeddedFont>
     <p:embeddedFont>
       <p:font typeface="Fira Sans Extra Condensed SemiBold" panose="020B0604020202020204" charset="0"/>
@@ -414,7 +414,7 @@
           </c:tx>
           <c:spPr>
             <a:solidFill>
-              <a:srgbClr val="00B050"/>
+              <a:srgbClr val="0070C0"/>
             </a:solidFill>
             <a:ln>
               <a:noFill/>
@@ -804,7 +804,7 @@
           </c:tx>
           <c:spPr>
             <a:solidFill>
-              <a:srgbClr val="00B050"/>
+              <a:srgbClr val="5ED1C6"/>
             </a:solidFill>
             <a:ln>
               <a:noFill/>
@@ -1099,7 +1099,7 @@
           </c:tx>
           <c:spPr>
             <a:solidFill>
-              <a:schemeClr val="accent3"/>
+              <a:srgbClr val="002060"/>
             </a:solidFill>
             <a:ln>
               <a:noFill/>
@@ -1221,9 +1221,7 @@
           </c:tx>
           <c:spPr>
             <a:solidFill>
-              <a:schemeClr val="accent2">
-                <a:lumMod val="75000"/>
-              </a:schemeClr>
+              <a:srgbClr val="FF0000"/>
             </a:solidFill>
             <a:ln>
               <a:noFill/>
@@ -1887,7 +1885,7 @@
           </c:tx>
           <c:spPr>
             <a:solidFill>
-              <a:schemeClr val="accent3"/>
+              <a:srgbClr val="FF0000"/>
             </a:solidFill>
             <a:ln>
               <a:noFill/>
@@ -3207,7 +3205,7 @@
           </c:tx>
           <c:spPr>
             <a:solidFill>
-              <a:schemeClr val="accent3"/>
+              <a:srgbClr val="FF0000"/>
             </a:solidFill>
             <a:ln>
               <a:noFill/>
@@ -3612,13 +3610,8 @@
                   <a:p>
                     <a:r>
                       <a:rPr lang="en-US" baseline="0" dirty="0" smtClean="0"/>
-                      <a:t> </a:t>
+                      <a:t> 32,9</a:t>
                     </a:r>
-                    <a:r>
-                      <a:rPr lang="en-US" baseline="0" dirty="0" smtClean="0"/>
-                      <a:t>32,9</a:t>
-                    </a:r>
-                    <a:endParaRPr lang="en-US" baseline="0" dirty="0" smtClean="0"/>
                   </a:p>
                 </c:rich>
               </c:tx>
@@ -4108,7 +4101,7 @@
           </c:tx>
           <c:spPr>
             <a:solidFill>
-              <a:schemeClr val="accent2"/>
+              <a:srgbClr val="FF0000"/>
             </a:solidFill>
             <a:ln>
               <a:noFill/>
@@ -4179,7 +4172,7 @@
           </c:tx>
           <c:spPr>
             <a:solidFill>
-              <a:schemeClr val="accent3"/>
+              <a:srgbClr val="0070C0"/>
             </a:solidFill>
             <a:ln>
               <a:noFill/>
@@ -4679,7 +4672,7 @@
           </c:tx>
           <c:spPr>
             <a:solidFill>
-              <a:schemeClr val="accent1"/>
+              <a:srgbClr val="0070C0"/>
             </a:solidFill>
             <a:ln>
               <a:noFill/>
@@ -4699,7 +4692,7 @@
             <c:bubble3D val="0"/>
             <c:spPr>
               <a:solidFill>
-                <a:schemeClr val="accent1"/>
+                <a:srgbClr val="0070C0"/>
               </a:solidFill>
               <a:ln>
                 <a:noFill/>
@@ -4724,7 +4717,7 @@
             <c:bubble3D val="0"/>
             <c:spPr>
               <a:solidFill>
-                <a:schemeClr val="accent1"/>
+                <a:srgbClr val="0070C0"/>
               </a:solidFill>
               <a:ln>
                 <a:noFill/>
@@ -4749,7 +4742,7 @@
             <c:bubble3D val="0"/>
             <c:spPr>
               <a:solidFill>
-                <a:schemeClr val="accent1"/>
+                <a:srgbClr val="0070C0"/>
               </a:solidFill>
               <a:ln>
                 <a:noFill/>
@@ -4774,7 +4767,7 @@
             <c:bubble3D val="0"/>
             <c:spPr>
               <a:solidFill>
-                <a:schemeClr val="accent1"/>
+                <a:srgbClr val="0070C0"/>
               </a:solidFill>
               <a:ln>
                 <a:noFill/>
@@ -4799,7 +4792,7 @@
             <c:bubble3D val="0"/>
             <c:spPr>
               <a:solidFill>
-                <a:schemeClr val="accent1"/>
+                <a:srgbClr val="0070C0"/>
               </a:solidFill>
               <a:ln>
                 <a:noFill/>
@@ -17267,9 +17260,8 @@
     <p:bg>
       <p:bgPr>
         <a:solidFill>
-          <a:schemeClr val="accent1">
-            <a:lumMod val="40000"/>
-            <a:lumOff val="60000"/>
+          <a:schemeClr val="tx2">
+            <a:lumMod val="90000"/>
           </a:schemeClr>
         </a:solidFill>
         <a:effectLst/>
@@ -19634,6 +19626,13 @@
   <p:clrMapOvr>
     <a:masterClrMapping/>
   </p:clrMapOvr>
+  <p:timing>
+    <p:tnLst>
+      <p:par>
+        <p:cTn id="1" dur="indefinite" restart="never" nodeType="tmRoot"/>
+      </p:par>
+    </p:tnLst>
+  </p:timing>
 </p:sld>
 </file>
 
@@ -19643,9 +19642,8 @@
     <p:bg>
       <p:bgPr>
         <a:solidFill>
-          <a:schemeClr val="accent1">
-            <a:lumMod val="40000"/>
-            <a:lumOff val="60000"/>
+          <a:schemeClr val="tx2">
+            <a:lumMod val="90000"/>
           </a:schemeClr>
         </a:solidFill>
         <a:effectLst/>
@@ -20200,7 +20198,7 @@
           <p:nvPr>
             <p:extLst>
               <p:ext uri="{D42A27DB-BD31-4B8C-83A1-F6EECF244321}">
-                <p14:modId xmlns:p14="http://schemas.microsoft.com/office/powerpoint/2010/main" val="627788573"/>
+                <p14:modId xmlns:p14="http://schemas.microsoft.com/office/powerpoint/2010/main" val="824237407"/>
               </p:ext>
             </p:extLst>
           </p:nvPr>
@@ -20370,6 +20368,13 @@
   <p:clrMapOvr>
     <a:masterClrMapping/>
   </p:clrMapOvr>
+  <p:timing>
+    <p:tnLst>
+      <p:par>
+        <p:cTn id="1" dur="indefinite" restart="never" nodeType="tmRoot"/>
+      </p:par>
+    </p:tnLst>
+  </p:timing>
 </p:sld>
 </file>
 
@@ -20379,9 +20384,8 @@
     <p:bg>
       <p:bgPr>
         <a:solidFill>
-          <a:schemeClr val="accent1">
-            <a:lumMod val="40000"/>
-            <a:lumOff val="60000"/>
+          <a:schemeClr val="tx2">
+            <a:lumMod val="90000"/>
           </a:schemeClr>
         </a:solidFill>
         <a:effectLst/>
@@ -21086,6 +21090,13 @@
   <p:clrMapOvr>
     <a:masterClrMapping/>
   </p:clrMapOvr>
+  <p:timing>
+    <p:tnLst>
+      <p:par>
+        <p:cTn id="1" dur="indefinite" restart="never" nodeType="tmRoot"/>
+      </p:par>
+    </p:tnLst>
+  </p:timing>
 </p:sld>
 </file>
 
@@ -21095,9 +21106,8 @@
     <p:bg>
       <p:bgPr>
         <a:solidFill>
-          <a:schemeClr val="accent1">
-            <a:lumMod val="40000"/>
-            <a:lumOff val="60000"/>
+          <a:schemeClr val="tx2">
+            <a:lumMod val="90000"/>
           </a:schemeClr>
         </a:solidFill>
         <a:effectLst/>
@@ -24667,59 +24677,18 @@
           </a:p>
         </p:txBody>
       </p:sp>
-      <p:pic>
-        <p:nvPicPr>
-          <p:cNvPr id="10" name="Picture 9"/>
-          <p:cNvPicPr>
-            <a:picLocks noChangeAspect="1"/>
-          </p:cNvPicPr>
-          <p:nvPr/>
-        </p:nvPicPr>
-        <p:blipFill>
-          <a:blip r:embed="rId3"/>
-          <a:stretch>
-            <a:fillRect/>
-          </a:stretch>
-        </p:blipFill>
-        <p:spPr>
-          <a:xfrm rot="8721931">
-            <a:off x="1096905" y="296716"/>
-            <a:ext cx="296518" cy="548598"/>
-          </a:xfrm>
-          <a:prstGeom prst="rect">
-            <a:avLst/>
-          </a:prstGeom>
-        </p:spPr>
-      </p:pic>
-      <p:pic>
-        <p:nvPicPr>
-          <p:cNvPr id="11" name="Picture 10"/>
-          <p:cNvPicPr>
-            <a:picLocks noChangeAspect="1"/>
-          </p:cNvPicPr>
-          <p:nvPr/>
-        </p:nvPicPr>
-        <p:blipFill>
-          <a:blip r:embed="rId3"/>
-          <a:stretch>
-            <a:fillRect/>
-          </a:stretch>
-        </p:blipFill>
-        <p:spPr>
-          <a:xfrm rot="7197444">
-            <a:off x="814869" y="417995"/>
-            <a:ext cx="304826" cy="566430"/>
-          </a:xfrm>
-          <a:prstGeom prst="rect">
-            <a:avLst/>
-          </a:prstGeom>
-        </p:spPr>
-      </p:pic>
     </p:spTree>
   </p:cSld>
   <p:clrMapOvr>
     <a:masterClrMapping/>
   </p:clrMapOvr>
+  <p:timing>
+    <p:tnLst>
+      <p:par>
+        <p:cTn id="1" dur="indefinite" restart="never" nodeType="tmRoot"/>
+      </p:par>
+    </p:tnLst>
+  </p:timing>
 </p:sld>
 </file>
 
@@ -24729,9 +24698,8 @@
     <p:bg>
       <p:bgPr>
         <a:solidFill>
-          <a:schemeClr val="accent1">
-            <a:lumMod val="40000"/>
-            <a:lumOff val="60000"/>
+          <a:schemeClr val="tx2">
+            <a:lumMod val="90000"/>
           </a:schemeClr>
         </a:solidFill>
         <a:effectLst/>
@@ -25844,7 +25812,7 @@
           <p:nvPr>
             <p:extLst>
               <p:ext uri="{D42A27DB-BD31-4B8C-83A1-F6EECF244321}">
-                <p14:modId xmlns:p14="http://schemas.microsoft.com/office/powerpoint/2010/main" val="1950302736"/>
+                <p14:modId xmlns:p14="http://schemas.microsoft.com/office/powerpoint/2010/main" val="2551049088"/>
               </p:ext>
             </p:extLst>
           </p:nvPr>
@@ -26191,6 +26159,13 @@
   <p:clrMapOvr>
     <a:masterClrMapping/>
   </p:clrMapOvr>
+  <p:timing>
+    <p:tnLst>
+      <p:par>
+        <p:cTn id="1" dur="indefinite" restart="never" nodeType="tmRoot"/>
+      </p:par>
+    </p:tnLst>
+  </p:timing>
 </p:sld>
 </file>
 
@@ -26200,9 +26175,8 @@
     <p:bg>
       <p:bgPr>
         <a:solidFill>
-          <a:schemeClr val="accent1">
-            <a:lumMod val="40000"/>
-            <a:lumOff val="60000"/>
+          <a:schemeClr val="tx2">
+            <a:lumMod val="90000"/>
           </a:schemeClr>
         </a:solidFill>
         <a:effectLst/>
@@ -27211,7 +27185,7 @@
           <p:nvPr>
             <p:extLst>
               <p:ext uri="{D42A27DB-BD31-4B8C-83A1-F6EECF244321}">
-                <p14:modId xmlns:p14="http://schemas.microsoft.com/office/powerpoint/2010/main" val="1597141382"/>
+                <p14:modId xmlns:p14="http://schemas.microsoft.com/office/powerpoint/2010/main" val="2344693189"/>
               </p:ext>
             </p:extLst>
           </p:nvPr>
@@ -27236,6 +27210,13 @@
   <p:clrMapOvr>
     <a:masterClrMapping/>
   </p:clrMapOvr>
+  <p:timing>
+    <p:tnLst>
+      <p:par>
+        <p:cTn id="1" dur="indefinite" restart="never" nodeType="tmRoot"/>
+      </p:par>
+    </p:tnLst>
+  </p:timing>
 </p:sld>
 </file>
 
@@ -27245,9 +27226,8 @@
     <p:bg>
       <p:bgPr>
         <a:solidFill>
-          <a:schemeClr val="accent1">
-            <a:lumMod val="40000"/>
-            <a:lumOff val="60000"/>
+          <a:schemeClr val="tx2">
+            <a:lumMod val="90000"/>
           </a:schemeClr>
         </a:solidFill>
         <a:effectLst/>
@@ -27898,7 +27878,7 @@
           <p:nvPr>
             <p:extLst>
               <p:ext uri="{D42A27DB-BD31-4B8C-83A1-F6EECF244321}">
-                <p14:modId xmlns:p14="http://schemas.microsoft.com/office/powerpoint/2010/main" val="3795199174"/>
+                <p14:modId xmlns:p14="http://schemas.microsoft.com/office/powerpoint/2010/main" val="2230490991"/>
               </p:ext>
             </p:extLst>
           </p:nvPr>
@@ -27947,6 +27927,13 @@
   <p:clrMapOvr>
     <a:masterClrMapping/>
   </p:clrMapOvr>
+  <p:timing>
+    <p:tnLst>
+      <p:par>
+        <p:cTn id="1" dur="indefinite" restart="never" nodeType="tmRoot"/>
+      </p:par>
+    </p:tnLst>
+  </p:timing>
 </p:sld>
 </file>
 
@@ -27956,9 +27943,8 @@
     <p:bg>
       <p:bgPr>
         <a:solidFill>
-          <a:schemeClr val="accent1">
-            <a:lumMod val="40000"/>
-            <a:lumOff val="60000"/>
+          <a:schemeClr val="tx2">
+            <a:lumMod val="90000"/>
           </a:schemeClr>
         </a:solidFill>
         <a:effectLst/>
@@ -28367,6 +28353,13 @@
   <p:clrMapOvr>
     <a:masterClrMapping/>
   </p:clrMapOvr>
+  <p:timing>
+    <p:tnLst>
+      <p:par>
+        <p:cTn id="1" dur="indefinite" restart="never" nodeType="tmRoot"/>
+      </p:par>
+    </p:tnLst>
+  </p:timing>
 </p:sld>
 </file>
 
@@ -28376,9 +28369,8 @@
     <p:bg>
       <p:bgPr>
         <a:solidFill>
-          <a:schemeClr val="accent1">
-            <a:lumMod val="40000"/>
-            <a:lumOff val="60000"/>
+          <a:schemeClr val="tx2">
+            <a:lumMod val="90000"/>
           </a:schemeClr>
         </a:solidFill>
         <a:effectLst/>
@@ -29093,7 +29085,7 @@
           <p:nvPr>
             <p:extLst>
               <p:ext uri="{D42A27DB-BD31-4B8C-83A1-F6EECF244321}">
-                <p14:modId xmlns:p14="http://schemas.microsoft.com/office/powerpoint/2010/main" val="864946729"/>
+                <p14:modId xmlns:p14="http://schemas.microsoft.com/office/powerpoint/2010/main" val="2992448415"/>
               </p:ext>
             </p:extLst>
           </p:nvPr>
@@ -29118,6 +29110,13 @@
   <p:clrMapOvr>
     <a:masterClrMapping/>
   </p:clrMapOvr>
+  <p:timing>
+    <p:tnLst>
+      <p:par>
+        <p:cTn id="1" dur="indefinite" restart="never" nodeType="tmRoot"/>
+      </p:par>
+    </p:tnLst>
+  </p:timing>
 </p:sld>
 </file>
 
@@ -29127,9 +29126,8 @@
     <p:bg>
       <p:bgPr>
         <a:solidFill>
-          <a:schemeClr val="accent1">
-            <a:lumMod val="40000"/>
-            <a:lumOff val="60000"/>
+          <a:schemeClr val="tx2">
+            <a:lumMod val="90000"/>
           </a:schemeClr>
         </a:solidFill>
         <a:effectLst/>
@@ -31848,6 +31846,13 @@
   <p:clrMapOvr>
     <a:masterClrMapping/>
   </p:clrMapOvr>
+  <p:timing>
+    <p:tnLst>
+      <p:par>
+        <p:cTn id="1" dur="indefinite" restart="never" nodeType="tmRoot"/>
+      </p:par>
+    </p:tnLst>
+  </p:timing>
 </p:sld>
 </file>
 
@@ -31857,9 +31862,8 @@
     <p:bg>
       <p:bgPr>
         <a:solidFill>
-          <a:schemeClr val="accent1">
-            <a:lumMod val="40000"/>
-            <a:lumOff val="60000"/>
+          <a:schemeClr val="tx2">
+            <a:lumMod val="90000"/>
           </a:schemeClr>
         </a:solidFill>
         <a:effectLst/>
@@ -32910,7 +32914,7 @@
           <p:nvPr>
             <p:extLst>
               <p:ext uri="{D42A27DB-BD31-4B8C-83A1-F6EECF244321}">
-                <p14:modId xmlns:p14="http://schemas.microsoft.com/office/powerpoint/2010/main" val="1301744562"/>
+                <p14:modId xmlns:p14="http://schemas.microsoft.com/office/powerpoint/2010/main" val="2382682831"/>
               </p:ext>
             </p:extLst>
           </p:nvPr>
@@ -32935,6 +32939,13 @@
   <p:clrMapOvr>
     <a:masterClrMapping/>
   </p:clrMapOvr>
+  <p:timing>
+    <p:tnLst>
+      <p:par>
+        <p:cTn id="1" dur="indefinite" restart="never" nodeType="tmRoot"/>
+      </p:par>
+    </p:tnLst>
+  </p:timing>
 </p:sld>
 </file>
 
